--- a/新闻推荐系统.pptx
+++ b/新闻推荐系统.pptx
@@ -878,7 +878,7 @@
           <a:p>
             <a:fld id="{8177CB19-0A77-4B6B-B203-C535110BF3B9}" type="datetimeFigureOut">
               <a:rPr lang="zh-CN" altLang="en-US" smtClean="0"/>
-              <a:t>2015/6/15</a:t>
+              <a:t>2015/6/16</a:t>
             </a:fld>
             <a:endParaRPr lang="zh-CN" altLang="en-US"/>
           </a:p>
@@ -1129,7 +1129,7 @@
           <a:p>
             <a:fld id="{8177CB19-0A77-4B6B-B203-C535110BF3B9}" type="datetimeFigureOut">
               <a:rPr lang="zh-CN" altLang="en-US" smtClean="0"/>
-              <a:t>2015/6/15</a:t>
+              <a:t>2015/6/16</a:t>
             </a:fld>
             <a:endParaRPr lang="zh-CN" altLang="en-US"/>
           </a:p>
@@ -1443,7 +1443,7 @@
           <a:p>
             <a:fld id="{8177CB19-0A77-4B6B-B203-C535110BF3B9}" type="datetimeFigureOut">
               <a:rPr lang="zh-CN" altLang="en-US" smtClean="0"/>
-              <a:t>2015/6/15</a:t>
+              <a:t>2015/6/16</a:t>
             </a:fld>
             <a:endParaRPr lang="zh-CN" altLang="en-US"/>
           </a:p>
@@ -1776,7 +1776,7 @@
           <a:p>
             <a:fld id="{8177CB19-0A77-4B6B-B203-C535110BF3B9}" type="datetimeFigureOut">
               <a:rPr lang="zh-CN" altLang="en-US" smtClean="0"/>
-              <a:t>2015/6/15</a:t>
+              <a:t>2015/6/16</a:t>
             </a:fld>
             <a:endParaRPr lang="zh-CN" altLang="en-US"/>
           </a:p>
@@ -2090,7 +2090,7 @@
           <a:p>
             <a:fld id="{8177CB19-0A77-4B6B-B203-C535110BF3B9}" type="datetimeFigureOut">
               <a:rPr lang="zh-CN" altLang="en-US" smtClean="0"/>
-              <a:t>2015/6/15</a:t>
+              <a:t>2015/6/16</a:t>
             </a:fld>
             <a:endParaRPr lang="zh-CN" altLang="en-US"/>
           </a:p>
@@ -2483,7 +2483,7 @@
           <a:p>
             <a:fld id="{8177CB19-0A77-4B6B-B203-C535110BF3B9}" type="datetimeFigureOut">
               <a:rPr lang="zh-CN" altLang="en-US" smtClean="0"/>
-              <a:t>2015/6/15</a:t>
+              <a:t>2015/6/16</a:t>
             </a:fld>
             <a:endParaRPr lang="zh-CN" altLang="en-US"/>
           </a:p>
@@ -2653,7 +2653,7 @@
           <a:p>
             <a:fld id="{8177CB19-0A77-4B6B-B203-C535110BF3B9}" type="datetimeFigureOut">
               <a:rPr lang="zh-CN" altLang="en-US" smtClean="0"/>
-              <a:t>2015/6/15</a:t>
+              <a:t>2015/6/16</a:t>
             </a:fld>
             <a:endParaRPr lang="zh-CN" altLang="en-US"/>
           </a:p>
@@ -2833,7 +2833,7 @@
           <a:p>
             <a:fld id="{8177CB19-0A77-4B6B-B203-C535110BF3B9}" type="datetimeFigureOut">
               <a:rPr lang="zh-CN" altLang="en-US" smtClean="0"/>
-              <a:t>2015/6/15</a:t>
+              <a:t>2015/6/16</a:t>
             </a:fld>
             <a:endParaRPr lang="zh-CN" altLang="en-US"/>
           </a:p>
@@ -3003,7 +3003,7 @@
           <a:p>
             <a:fld id="{8177CB19-0A77-4B6B-B203-C535110BF3B9}" type="datetimeFigureOut">
               <a:rPr lang="zh-CN" altLang="en-US" smtClean="0"/>
-              <a:t>2015/6/15</a:t>
+              <a:t>2015/6/16</a:t>
             </a:fld>
             <a:endParaRPr lang="zh-CN" altLang="en-US"/>
           </a:p>
@@ -3250,7 +3250,7 @@
           <a:p>
             <a:fld id="{8177CB19-0A77-4B6B-B203-C535110BF3B9}" type="datetimeFigureOut">
               <a:rPr lang="zh-CN" altLang="en-US" smtClean="0"/>
-              <a:t>2015/6/15</a:t>
+              <a:t>2015/6/16</a:t>
             </a:fld>
             <a:endParaRPr lang="zh-CN" altLang="en-US"/>
           </a:p>
@@ -3482,7 +3482,7 @@
           <a:p>
             <a:fld id="{8177CB19-0A77-4B6B-B203-C535110BF3B9}" type="datetimeFigureOut">
               <a:rPr lang="zh-CN" altLang="en-US" smtClean="0"/>
-              <a:t>2015/6/15</a:t>
+              <a:t>2015/6/16</a:t>
             </a:fld>
             <a:endParaRPr lang="zh-CN" altLang="en-US"/>
           </a:p>
@@ -3856,7 +3856,7 @@
           <a:p>
             <a:fld id="{8177CB19-0A77-4B6B-B203-C535110BF3B9}" type="datetimeFigureOut">
               <a:rPr lang="zh-CN" altLang="en-US" smtClean="0"/>
-              <a:t>2015/6/15</a:t>
+              <a:t>2015/6/16</a:t>
             </a:fld>
             <a:endParaRPr lang="zh-CN" altLang="en-US"/>
           </a:p>
@@ -3979,7 +3979,7 @@
           <a:p>
             <a:fld id="{8177CB19-0A77-4B6B-B203-C535110BF3B9}" type="datetimeFigureOut">
               <a:rPr lang="zh-CN" altLang="en-US" smtClean="0"/>
-              <a:t>2015/6/15</a:t>
+              <a:t>2015/6/16</a:t>
             </a:fld>
             <a:endParaRPr lang="zh-CN" altLang="en-US"/>
           </a:p>
@@ -4074,7 +4074,7 @@
           <a:p>
             <a:fld id="{8177CB19-0A77-4B6B-B203-C535110BF3B9}" type="datetimeFigureOut">
               <a:rPr lang="zh-CN" altLang="en-US" smtClean="0"/>
-              <a:t>2015/6/15</a:t>
+              <a:t>2015/6/16</a:t>
             </a:fld>
             <a:endParaRPr lang="zh-CN" altLang="en-US"/>
           </a:p>
@@ -4329,7 +4329,7 @@
           <a:p>
             <a:fld id="{8177CB19-0A77-4B6B-B203-C535110BF3B9}" type="datetimeFigureOut">
               <a:rPr lang="zh-CN" altLang="en-US" smtClean="0"/>
-              <a:t>2015/6/15</a:t>
+              <a:t>2015/6/16</a:t>
             </a:fld>
             <a:endParaRPr lang="zh-CN" altLang="en-US"/>
           </a:p>
@@ -4634,7 +4634,7 @@
           <a:p>
             <a:fld id="{8177CB19-0A77-4B6B-B203-C535110BF3B9}" type="datetimeFigureOut">
               <a:rPr lang="zh-CN" altLang="en-US" smtClean="0"/>
-              <a:t>2015/6/15</a:t>
+              <a:t>2015/6/16</a:t>
             </a:fld>
             <a:endParaRPr lang="zh-CN" altLang="en-US"/>
           </a:p>
@@ -5336,7 +5336,7 @@
           <a:p>
             <a:fld id="{8177CB19-0A77-4B6B-B203-C535110BF3B9}" type="datetimeFigureOut">
               <a:rPr lang="zh-CN" altLang="en-US" smtClean="0"/>
-              <a:t>2015/6/15</a:t>
+              <a:t>2015/6/16</a:t>
             </a:fld>
             <a:endParaRPr lang="zh-CN" altLang="en-US"/>
           </a:p>
@@ -5948,12 +5948,36 @@
           <a:p>
             <a:pPr algn="l"/>
             <a:r>
+              <a:rPr lang="en-US" altLang="zh-CN" dirty="0" smtClean="0"/>
+              <a:t>1501220070 </a:t>
+            </a:r>
+            <a:r>
               <a:rPr lang="zh-CN" altLang="en-US" dirty="0" smtClean="0"/>
-              <a:t>其它人补吧</a:t>
-            </a:r>
+              <a:t>刘臻</a:t>
+            </a:r>
+            <a:endParaRPr lang="en-US" altLang="zh-CN" dirty="0" smtClean="0"/>
+          </a:p>
+          <a:p>
+            <a:pPr algn="l"/>
             <a:r>
               <a:rPr lang="en-US" altLang="zh-CN" dirty="0" smtClean="0"/>
-              <a:t>…</a:t>
+              <a:t>1501220079 </a:t>
+            </a:r>
+            <a:r>
+              <a:rPr lang="zh-CN" altLang="en-US" dirty="0" smtClean="0"/>
+              <a:t>宋思儒</a:t>
+            </a:r>
+            <a:endParaRPr lang="en-US" altLang="zh-CN" dirty="0" smtClean="0"/>
+          </a:p>
+          <a:p>
+            <a:pPr algn="l"/>
+            <a:r>
+              <a:rPr lang="en-US" altLang="zh-CN" dirty="0" smtClean="0"/>
+              <a:t>1501220097 </a:t>
+            </a:r>
+            <a:r>
+              <a:rPr lang="zh-CN" altLang="en-US" smtClean="0"/>
+              <a:t>张琳</a:t>
             </a:r>
             <a:endParaRPr lang="en-US" altLang="zh-CN" dirty="0"/>
           </a:p>
